--- a/es_pres.pptx
+++ b/es_pres.pptx
@@ -106,6 +106,11 @@
       </a:defRPr>
     </a:lvl9pPr>
   </p:defaultTextStyle>
+  <p:extLst>
+    <p:ext uri="{EFAFB233-063F-42B5-8137-9DF3F51BA10A}">
+      <p15:sldGuideLst xmlns:p15="http://schemas.microsoft.com/office/powerpoint/2012/main"/>
+    </p:ext>
+  </p:extLst>
 </p:presentation>
 </file>
 
@@ -292,7 +297,7 @@
           <a:p>
             <a:fld id="{D5F22DC0-D125-4974-AA57-29E0B4C21DDB}" type="datetimeFigureOut">
               <a:rPr lang="en-GB" smtClean="0"/>
-              <a:t>02/06/2019</a:t>
+              <a:t>03/06/2019</a:t>
             </a:fld>
             <a:endParaRPr lang="en-GB"/>
           </a:p>
@@ -567,7 +572,7 @@
           <a:p>
             <a:fld id="{D5F22DC0-D125-4974-AA57-29E0B4C21DDB}" type="datetimeFigureOut">
               <a:rPr lang="en-GB" smtClean="0"/>
-              <a:t>02/06/2019</a:t>
+              <a:t>03/06/2019</a:t>
             </a:fld>
             <a:endParaRPr lang="en-GB"/>
           </a:p>
@@ -761,7 +766,7 @@
           <a:p>
             <a:fld id="{D5F22DC0-D125-4974-AA57-29E0B4C21DDB}" type="datetimeFigureOut">
               <a:rPr lang="en-GB" smtClean="0"/>
-              <a:t>02/06/2019</a:t>
+              <a:t>03/06/2019</a:t>
             </a:fld>
             <a:endParaRPr lang="en-GB"/>
           </a:p>
@@ -1029,7 +1034,7 @@
           <a:p>
             <a:fld id="{D5F22DC0-D125-4974-AA57-29E0B4C21DDB}" type="datetimeFigureOut">
               <a:rPr lang="en-GB" smtClean="0"/>
-              <a:t>02/06/2019</a:t>
+              <a:t>03/06/2019</a:t>
             </a:fld>
             <a:endParaRPr lang="en-GB"/>
           </a:p>
@@ -1361,7 +1366,7 @@
           <a:p>
             <a:fld id="{D5F22DC0-D125-4974-AA57-29E0B4C21DDB}" type="datetimeFigureOut">
               <a:rPr lang="en-GB" smtClean="0"/>
-              <a:t>02/06/2019</a:t>
+              <a:t>03/06/2019</a:t>
             </a:fld>
             <a:endParaRPr lang="en-GB"/>
           </a:p>
@@ -1971,7 +1976,7 @@
           <a:p>
             <a:fld id="{D5F22DC0-D125-4974-AA57-29E0B4C21DDB}" type="datetimeFigureOut">
               <a:rPr lang="en-GB" smtClean="0"/>
-              <a:t>02/06/2019</a:t>
+              <a:t>03/06/2019</a:t>
             </a:fld>
             <a:endParaRPr lang="en-GB"/>
           </a:p>
@@ -2818,7 +2823,7 @@
           <a:p>
             <a:fld id="{D5F22DC0-D125-4974-AA57-29E0B4C21DDB}" type="datetimeFigureOut">
               <a:rPr lang="en-GB" smtClean="0"/>
-              <a:t>02/06/2019</a:t>
+              <a:t>03/06/2019</a:t>
             </a:fld>
             <a:endParaRPr lang="en-GB"/>
           </a:p>
@@ -2988,7 +2993,7 @@
           <a:p>
             <a:fld id="{D5F22DC0-D125-4974-AA57-29E0B4C21DDB}" type="datetimeFigureOut">
               <a:rPr lang="en-GB" smtClean="0"/>
-              <a:t>02/06/2019</a:t>
+              <a:t>03/06/2019</a:t>
             </a:fld>
             <a:endParaRPr lang="en-GB"/>
           </a:p>
@@ -3168,7 +3173,7 @@
           <a:p>
             <a:fld id="{D5F22DC0-D125-4974-AA57-29E0B4C21DDB}" type="datetimeFigureOut">
               <a:rPr lang="en-GB" smtClean="0"/>
-              <a:t>02/06/2019</a:t>
+              <a:t>03/06/2019</a:t>
             </a:fld>
             <a:endParaRPr lang="en-GB"/>
           </a:p>
@@ -3338,7 +3343,7 @@
           <a:p>
             <a:fld id="{D5F22DC0-D125-4974-AA57-29E0B4C21DDB}" type="datetimeFigureOut">
               <a:rPr lang="en-GB" smtClean="0"/>
-              <a:t>02/06/2019</a:t>
+              <a:t>03/06/2019</a:t>
             </a:fld>
             <a:endParaRPr lang="en-GB"/>
           </a:p>
@@ -3582,7 +3587,7 @@
           <a:p>
             <a:fld id="{D5F22DC0-D125-4974-AA57-29E0B4C21DDB}" type="datetimeFigureOut">
               <a:rPr lang="en-GB" smtClean="0"/>
-              <a:t>02/06/2019</a:t>
+              <a:t>03/06/2019</a:t>
             </a:fld>
             <a:endParaRPr lang="en-GB"/>
           </a:p>
@@ -3874,7 +3879,7 @@
           <a:p>
             <a:fld id="{D5F22DC0-D125-4974-AA57-29E0B4C21DDB}" type="datetimeFigureOut">
               <a:rPr lang="en-GB" smtClean="0"/>
-              <a:t>02/06/2019</a:t>
+              <a:t>03/06/2019</a:t>
             </a:fld>
             <a:endParaRPr lang="en-GB"/>
           </a:p>
@@ -4312,7 +4317,7 @@
           <a:p>
             <a:fld id="{D5F22DC0-D125-4974-AA57-29E0B4C21DDB}" type="datetimeFigureOut">
               <a:rPr lang="en-GB" smtClean="0"/>
-              <a:t>02/06/2019</a:t>
+              <a:t>03/06/2019</a:t>
             </a:fld>
             <a:endParaRPr lang="en-GB"/>
           </a:p>
@@ -4430,7 +4435,7 @@
           <a:p>
             <a:fld id="{D5F22DC0-D125-4974-AA57-29E0B4C21DDB}" type="datetimeFigureOut">
               <a:rPr lang="en-GB" smtClean="0"/>
-              <a:t>02/06/2019</a:t>
+              <a:t>03/06/2019</a:t>
             </a:fld>
             <a:endParaRPr lang="en-GB"/>
           </a:p>
@@ -4525,7 +4530,7 @@
           <a:p>
             <a:fld id="{D5F22DC0-D125-4974-AA57-29E0B4C21DDB}" type="datetimeFigureOut">
               <a:rPr lang="en-GB" smtClean="0"/>
-              <a:t>02/06/2019</a:t>
+              <a:t>03/06/2019</a:t>
             </a:fld>
             <a:endParaRPr lang="en-GB"/>
           </a:p>
@@ -4804,7 +4809,7 @@
           <a:p>
             <a:fld id="{D5F22DC0-D125-4974-AA57-29E0B4C21DDB}" type="datetimeFigureOut">
               <a:rPr lang="en-GB" smtClean="0"/>
-              <a:t>02/06/2019</a:t>
+              <a:t>03/06/2019</a:t>
             </a:fld>
             <a:endParaRPr lang="en-GB"/>
           </a:p>
@@ -5079,7 +5084,7 @@
           <a:p>
             <a:fld id="{D5F22DC0-D125-4974-AA57-29E0B4C21DDB}" type="datetimeFigureOut">
               <a:rPr lang="en-GB" smtClean="0"/>
-              <a:t>02/06/2019</a:t>
+              <a:t>03/06/2019</a:t>
             </a:fld>
             <a:endParaRPr lang="en-GB"/>
           </a:p>
@@ -5508,7 +5513,7 @@
           <a:p>
             <a:fld id="{D5F22DC0-D125-4974-AA57-29E0B4C21DDB}" type="datetimeFigureOut">
               <a:rPr lang="en-GB" smtClean="0"/>
-              <a:t>02/06/2019</a:t>
+              <a:t>03/06/2019</a:t>
             </a:fld>
             <a:endParaRPr lang="en-GB"/>
           </a:p>
@@ -7035,6 +7040,80 @@
           </a:p>
         </p:txBody>
       </p:sp>
+      <p:sp>
+        <p:nvSpPr>
+          <p:cNvPr id="4" name="TextBox 3">
+            <a:extLst>
+              <a:ext uri="{FF2B5EF4-FFF2-40B4-BE49-F238E27FC236}">
+                <a16:creationId xmlns:a16="http://schemas.microsoft.com/office/drawing/2014/main" id="{BBC6E7C5-893B-4D47-92C4-1CEA123E05C0}"/>
+              </a:ext>
+            </a:extLst>
+          </p:cNvPr>
+          <p:cNvSpPr txBox="1"/>
+          <p:nvPr/>
+        </p:nvSpPr>
+        <p:spPr>
+          <a:xfrm>
+            <a:off x="9330432" y="5557420"/>
+            <a:ext cx="2681056" cy="1200329"/>
+          </a:xfrm>
+          <a:prstGeom prst="rect">
+            <a:avLst/>
+          </a:prstGeom>
+          <a:noFill/>
+        </p:spPr>
+        <p:txBody>
+          <a:bodyPr wrap="square" rtlCol="0">
+            <a:spAutoFit/>
+          </a:bodyPr>
+          <a:lstStyle/>
+          <a:p>
+            <a:r>
+              <a:rPr lang="pt-PT" dirty="0">
+                <a:solidFill>
+                  <a:schemeClr val="bg2"/>
+                </a:solidFill>
+              </a:rPr>
+              <a:t>André Oliveira – 79969</a:t>
+            </a:r>
+          </a:p>
+          <a:p>
+            <a:r>
+              <a:rPr lang="pt-PT" dirty="0">
+                <a:solidFill>
+                  <a:schemeClr val="bg2"/>
+                </a:solidFill>
+              </a:rPr>
+              <a:t>Daniel Martins – 80026</a:t>
+            </a:r>
+          </a:p>
+          <a:p>
+            <a:r>
+              <a:rPr lang="pt-PT" dirty="0">
+                <a:solidFill>
+                  <a:schemeClr val="bg2"/>
+                </a:solidFill>
+              </a:rPr>
+              <a:t>Bruno Mendes – 68411</a:t>
+            </a:r>
+          </a:p>
+          <a:p>
+            <a:r>
+              <a:rPr lang="pt-PT" dirty="0">
+                <a:solidFill>
+                  <a:schemeClr val="bg2"/>
+                </a:solidFill>
+              </a:rPr>
+              <a:t>Silvia Neves - 49938</a:t>
+            </a:r>
+            <a:endParaRPr lang="en-GB" dirty="0">
+              <a:solidFill>
+                <a:schemeClr val="bg2"/>
+              </a:solidFill>
+            </a:endParaRPr>
+          </a:p>
+        </p:txBody>
+      </p:sp>
     </p:spTree>
     <p:extLst>
       <p:ext uri="{BB962C8B-B14F-4D97-AF65-F5344CB8AC3E}">
